--- a/base/ls1/1.pptx
+++ b/base/ls1/1.pptx
@@ -123,6 +123,11 @@
       </a:defRPr>
     </a:lvl9pPr>
   </p:defaultTextStyle>
+  <p:extLst>
+    <p:ext uri="{EFAFB233-063F-42B5-8137-9DF3F51BA10A}">
+      <p15:sldGuideLst xmlns:p15="http://schemas.microsoft.com/office/powerpoint/2012/main"/>
+    </p:ext>
+  </p:extLst>
 </p:presentation>
 </file>
 
@@ -273,7 +278,7 @@
           <a:p>
             <a:fld id="{7154D92E-9BB5-4B2F-9025-89146194B570}" type="datetimeFigureOut">
               <a:rPr lang="ru-RU" smtClean="0"/>
-              <a:t>22.05.2022</a:t>
+              <a:t>24.05.2022</a:t>
             </a:fld>
             <a:endParaRPr lang="ru-RU"/>
           </a:p>
@@ -471,7 +476,7 @@
           <a:p>
             <a:fld id="{7154D92E-9BB5-4B2F-9025-89146194B570}" type="datetimeFigureOut">
               <a:rPr lang="ru-RU" smtClean="0"/>
-              <a:t>22.05.2022</a:t>
+              <a:t>24.05.2022</a:t>
             </a:fld>
             <a:endParaRPr lang="ru-RU"/>
           </a:p>
@@ -679,7 +684,7 @@
           <a:p>
             <a:fld id="{7154D92E-9BB5-4B2F-9025-89146194B570}" type="datetimeFigureOut">
               <a:rPr lang="ru-RU" smtClean="0"/>
-              <a:t>22.05.2022</a:t>
+              <a:t>24.05.2022</a:t>
             </a:fld>
             <a:endParaRPr lang="ru-RU"/>
           </a:p>
@@ -877,7 +882,7 @@
           <a:p>
             <a:fld id="{7154D92E-9BB5-4B2F-9025-89146194B570}" type="datetimeFigureOut">
               <a:rPr lang="ru-RU" smtClean="0"/>
-              <a:t>22.05.2022</a:t>
+              <a:t>24.05.2022</a:t>
             </a:fld>
             <a:endParaRPr lang="ru-RU"/>
           </a:p>
@@ -1152,7 +1157,7 @@
           <a:p>
             <a:fld id="{7154D92E-9BB5-4B2F-9025-89146194B570}" type="datetimeFigureOut">
               <a:rPr lang="ru-RU" smtClean="0"/>
-              <a:t>22.05.2022</a:t>
+              <a:t>24.05.2022</a:t>
             </a:fld>
             <a:endParaRPr lang="ru-RU"/>
           </a:p>
@@ -1417,7 +1422,7 @@
           <a:p>
             <a:fld id="{7154D92E-9BB5-4B2F-9025-89146194B570}" type="datetimeFigureOut">
               <a:rPr lang="ru-RU" smtClean="0"/>
-              <a:t>22.05.2022</a:t>
+              <a:t>24.05.2022</a:t>
             </a:fld>
             <a:endParaRPr lang="ru-RU"/>
           </a:p>
@@ -1829,7 +1834,7 @@
           <a:p>
             <a:fld id="{7154D92E-9BB5-4B2F-9025-89146194B570}" type="datetimeFigureOut">
               <a:rPr lang="ru-RU" smtClean="0"/>
-              <a:t>22.05.2022</a:t>
+              <a:t>24.05.2022</a:t>
             </a:fld>
             <a:endParaRPr lang="ru-RU"/>
           </a:p>
@@ -1970,7 +1975,7 @@
           <a:p>
             <a:fld id="{7154D92E-9BB5-4B2F-9025-89146194B570}" type="datetimeFigureOut">
               <a:rPr lang="ru-RU" smtClean="0"/>
-              <a:t>22.05.2022</a:t>
+              <a:t>24.05.2022</a:t>
             </a:fld>
             <a:endParaRPr lang="ru-RU"/>
           </a:p>
@@ -2083,7 +2088,7 @@
           <a:p>
             <a:fld id="{7154D92E-9BB5-4B2F-9025-89146194B570}" type="datetimeFigureOut">
               <a:rPr lang="ru-RU" smtClean="0"/>
-              <a:t>22.05.2022</a:t>
+              <a:t>24.05.2022</a:t>
             </a:fld>
             <a:endParaRPr lang="ru-RU"/>
           </a:p>
@@ -2394,7 +2399,7 @@
           <a:p>
             <a:fld id="{7154D92E-9BB5-4B2F-9025-89146194B570}" type="datetimeFigureOut">
               <a:rPr lang="ru-RU" smtClean="0"/>
-              <a:t>22.05.2022</a:t>
+              <a:t>24.05.2022</a:t>
             </a:fld>
             <a:endParaRPr lang="ru-RU"/>
           </a:p>
@@ -2682,7 +2687,7 @@
           <a:p>
             <a:fld id="{7154D92E-9BB5-4B2F-9025-89146194B570}" type="datetimeFigureOut">
               <a:rPr lang="ru-RU" smtClean="0"/>
-              <a:t>22.05.2022</a:t>
+              <a:t>24.05.2022</a:t>
             </a:fld>
             <a:endParaRPr lang="ru-RU"/>
           </a:p>
@@ -2923,7 +2928,7 @@
           <a:p>
             <a:fld id="{7154D92E-9BB5-4B2F-9025-89146194B570}" type="datetimeFigureOut">
               <a:rPr lang="ru-RU" smtClean="0"/>
-              <a:t>22.05.2022</a:t>
+              <a:t>24.05.2022</a:t>
             </a:fld>
             <a:endParaRPr lang="ru-RU"/>
           </a:p>
@@ -4456,8 +4461,8 @@
         </p:nvSpPr>
         <p:spPr>
           <a:xfrm>
-            <a:off x="4359728" y="15600"/>
-            <a:ext cx="3472543" cy="820580"/>
+            <a:off x="4174462" y="106036"/>
+            <a:ext cx="3843075" cy="820580"/>
           </a:xfrm>
         </p:spPr>
         <p:txBody>
@@ -4475,6 +4480,53 @@
           </a:p>
         </p:txBody>
       </p:sp>
+      <p:pic>
+        <p:nvPicPr>
+          <p:cNvPr id="1026" name="Picture 2" descr="Переменные | Особенности разработки на JavaScript">
+            <a:extLst>
+              <a:ext uri="{FF2B5EF4-FFF2-40B4-BE49-F238E27FC236}">
+                <a16:creationId xmlns:a16="http://schemas.microsoft.com/office/drawing/2014/main" id="{BF9BAA9D-5D59-43E7-8AD6-6C12B901D46F}"/>
+              </a:ext>
+            </a:extLst>
+          </p:cNvPr>
+          <p:cNvPicPr>
+            <a:picLocks noChangeAspect="1" noChangeArrowheads="1"/>
+          </p:cNvPicPr>
+          <p:nvPr/>
+        </p:nvPicPr>
+        <p:blipFill>
+          <a:blip r:embed="rId3">
+            <a:extLst>
+              <a:ext uri="{28A0092B-C50C-407E-A947-70E740481C1C}">
+                <a14:useLocalDpi xmlns:a14="http://schemas.microsoft.com/office/drawing/2010/main" val="0"/>
+              </a:ext>
+            </a:extLst>
+          </a:blip>
+          <a:srcRect/>
+          <a:stretch>
+            <a:fillRect/>
+          </a:stretch>
+        </p:blipFill>
+        <p:spPr bwMode="auto">
+          <a:xfrm>
+            <a:off x="8272358" y="3014505"/>
+            <a:ext cx="3324225" cy="1371600"/>
+          </a:xfrm>
+          <a:prstGeom prst="rect">
+            <a:avLst/>
+          </a:prstGeom>
+          <a:noFill/>
+          <a:extLst>
+            <a:ext uri="{909E8E84-426E-40DD-AFC4-6F175D3DCCD1}">
+              <a14:hiddenFill xmlns:a14="http://schemas.microsoft.com/office/drawing/2010/main">
+                <a:solidFill>
+                  <a:srgbClr val="FFFFFF"/>
+                </a:solidFill>
+              </a14:hiddenFill>
+            </a:ext>
+          </a:extLst>
+        </p:spPr>
+      </p:pic>
     </p:spTree>
     <p:extLst>
       <p:ext uri="{BB962C8B-B14F-4D97-AF65-F5344CB8AC3E}">
